--- a/documents/XFS dmapi vs. BDT Fuse.pptx
+++ b/documents/XFS dmapi vs. BDT Fuse.pptx
@@ -245,7 +245,7 @@
           <a:p>
             <a:fld id="{29A38713-2616-9F41-B691-879F9D62C532}" type="datetimeFigureOut">
               <a:rPr lang="en-US" smtClean="0"/>
-              <a:t>7/7/16</a:t>
+              <a:t>1/25/17</a:t>
             </a:fld>
             <a:endParaRPr lang="en-US"/>
           </a:p>
@@ -415,7 +415,7 @@
           <a:p>
             <a:fld id="{29A38713-2616-9F41-B691-879F9D62C532}" type="datetimeFigureOut">
               <a:rPr lang="en-US" smtClean="0"/>
-              <a:t>7/7/16</a:t>
+              <a:t>1/25/17</a:t>
             </a:fld>
             <a:endParaRPr lang="en-US"/>
           </a:p>
@@ -595,7 +595,7 @@
           <a:p>
             <a:fld id="{29A38713-2616-9F41-B691-879F9D62C532}" type="datetimeFigureOut">
               <a:rPr lang="en-US" smtClean="0"/>
-              <a:t>7/7/16</a:t>
+              <a:t>1/25/17</a:t>
             </a:fld>
             <a:endParaRPr lang="en-US"/>
           </a:p>
@@ -765,7 +765,7 @@
           <a:p>
             <a:fld id="{29A38713-2616-9F41-B691-879F9D62C532}" type="datetimeFigureOut">
               <a:rPr lang="en-US" smtClean="0"/>
-              <a:t>7/7/16</a:t>
+              <a:t>1/25/17</a:t>
             </a:fld>
             <a:endParaRPr lang="en-US"/>
           </a:p>
@@ -1011,7 +1011,7 @@
           <a:p>
             <a:fld id="{29A38713-2616-9F41-B691-879F9D62C532}" type="datetimeFigureOut">
               <a:rPr lang="en-US" smtClean="0"/>
-              <a:t>7/7/16</a:t>
+              <a:t>1/25/17</a:t>
             </a:fld>
             <a:endParaRPr lang="en-US"/>
           </a:p>
@@ -1243,7 +1243,7 @@
           <a:p>
             <a:fld id="{29A38713-2616-9F41-B691-879F9D62C532}" type="datetimeFigureOut">
               <a:rPr lang="en-US" smtClean="0"/>
-              <a:t>7/7/16</a:t>
+              <a:t>1/25/17</a:t>
             </a:fld>
             <a:endParaRPr lang="en-US"/>
           </a:p>
@@ -1610,7 +1610,7 @@
           <a:p>
             <a:fld id="{29A38713-2616-9F41-B691-879F9D62C532}" type="datetimeFigureOut">
               <a:rPr lang="en-US" smtClean="0"/>
-              <a:t>7/7/16</a:t>
+              <a:t>1/25/17</a:t>
             </a:fld>
             <a:endParaRPr lang="en-US"/>
           </a:p>
@@ -1728,7 +1728,7 @@
           <a:p>
             <a:fld id="{29A38713-2616-9F41-B691-879F9D62C532}" type="datetimeFigureOut">
               <a:rPr lang="en-US" smtClean="0"/>
-              <a:t>7/7/16</a:t>
+              <a:t>1/25/17</a:t>
             </a:fld>
             <a:endParaRPr lang="en-US"/>
           </a:p>
@@ -1823,7 +1823,7 @@
           <a:p>
             <a:fld id="{29A38713-2616-9F41-B691-879F9D62C532}" type="datetimeFigureOut">
               <a:rPr lang="en-US" smtClean="0"/>
-              <a:t>7/7/16</a:t>
+              <a:t>1/25/17</a:t>
             </a:fld>
             <a:endParaRPr lang="en-US"/>
           </a:p>
@@ -2100,7 +2100,7 @@
           <a:p>
             <a:fld id="{29A38713-2616-9F41-B691-879F9D62C532}" type="datetimeFigureOut">
               <a:rPr lang="en-US" smtClean="0"/>
-              <a:t>7/7/16</a:t>
+              <a:t>1/25/17</a:t>
             </a:fld>
             <a:endParaRPr lang="en-US"/>
           </a:p>
@@ -2353,7 +2353,7 @@
           <a:p>
             <a:fld id="{29A38713-2616-9F41-B691-879F9D62C532}" type="datetimeFigureOut">
               <a:rPr lang="en-US" smtClean="0"/>
-              <a:t>7/7/16</a:t>
+              <a:t>1/25/17</a:t>
             </a:fld>
             <a:endParaRPr lang="en-US"/>
           </a:p>
@@ -2566,7 +2566,7 @@
           <a:p>
             <a:fld id="{29A38713-2616-9F41-B691-879F9D62C532}" type="datetimeFigureOut">
               <a:rPr lang="en-US" smtClean="0"/>
-              <a:t>7/7/16</a:t>
+              <a:t>1/25/17</a:t>
             </a:fld>
             <a:endParaRPr lang="en-US"/>
           </a:p>
@@ -6941,7 +6941,11 @@
             </a:r>
             <a:r>
               <a:rPr lang="en-US" sz="2800" dirty="0" smtClean="0"/>
-              <a:t>igration – BDT FUSE</a:t>
+              <a:t>igration </a:t>
+            </a:r>
+            <a:r>
+              <a:rPr lang="en-US" sz="2800" dirty="0" smtClean="0"/>
+              <a:t>– FUSE</a:t>
             </a:r>
             <a:endParaRPr lang="en-US" sz="2800" dirty="0"/>
           </a:p>
